--- a/etc/Stand/Stand.pptx
+++ b/etc/Stand/Stand.pptx
@@ -6,8 +6,6 @@
   </p:sldMasterIdLst>
   <p:sldIdLst>
     <p:sldId id="256" r:id="rId2"/>
-    <p:sldId id="258" r:id="rId3"/>
-    <p:sldId id="257" r:id="rId4"/>
   </p:sldIdLst>
   <p:sldSz cx="9601200" cy="12801600" type="A3"/>
   <p:notesSz cx="6858000" cy="9144000"/>
@@ -2975,6 +2973,50 @@
       </p:grpSpPr>
       <p:sp>
         <p:nvSpPr>
+          <p:cNvPr id="29" name="Прямоугольник: скругленные углы 28">
+            <a:extLst>
+              <a:ext uri="{FF2B5EF4-FFF2-40B4-BE49-F238E27FC236}">
+                <a16:creationId xmlns:a16="http://schemas.microsoft.com/office/drawing/2014/main" id="{855BB053-19DC-4276-B026-BEC273D454CC}"/>
+              </a:ext>
+            </a:extLst>
+          </p:cNvPr>
+          <p:cNvSpPr/>
+          <p:nvPr/>
+        </p:nvSpPr>
+        <p:spPr>
+          <a:xfrm>
+            <a:off x="5403050" y="7609394"/>
+            <a:ext cx="3496931" cy="2026472"/>
+          </a:xfrm>
+          <a:prstGeom prst="roundRect">
+            <a:avLst/>
+          </a:prstGeom>
+        </p:spPr>
+        <p:style>
+          <a:lnRef idx="0">
+            <a:schemeClr val="accent1"/>
+          </a:lnRef>
+          <a:fillRef idx="3">
+            <a:schemeClr val="accent1"/>
+          </a:fillRef>
+          <a:effectRef idx="3">
+            <a:schemeClr val="accent1"/>
+          </a:effectRef>
+          <a:fontRef idx="minor">
+            <a:schemeClr val="lt1"/>
+          </a:fontRef>
+        </p:style>
+        <p:txBody>
+          <a:bodyPr rtlCol="0" anchor="ctr"/>
+          <a:lstStyle/>
+          <a:p>
+            <a:pPr algn="ctr"/>
+            <a:endParaRPr lang="ru-RU"/>
+          </a:p>
+        </p:txBody>
+      </p:sp>
+      <p:sp>
+        <p:nvSpPr>
           <p:cNvPr id="2" name="TextBox 1">
             <a:extLst>
               <a:ext uri="{FF2B5EF4-FFF2-40B4-BE49-F238E27FC236}">
@@ -2987,8 +3029,8 @@
         </p:nvSpPr>
         <p:spPr>
           <a:xfrm>
-            <a:off x="549049" y="653369"/>
-            <a:ext cx="5229224" cy="2985433"/>
+            <a:off x="549048" y="315301"/>
+            <a:ext cx="5296580" cy="2246769"/>
           </a:xfrm>
           <a:prstGeom prst="rect">
             <a:avLst/>
@@ -3003,6 +3045,10 @@
           <a:p>
             <a:pPr algn="ctr"/>
             <a:r>
+              <a:rPr lang="en-US" sz="6000" dirty="0"/>
+              <a:t>VK-</a:t>
+            </a:r>
+            <a:r>
               <a:rPr lang="ru-RU" sz="6000" dirty="0"/>
               <a:t>Бот </a:t>
             </a:r>
@@ -3012,7 +3058,7 @@
             </a:r>
             <a:r>
               <a:rPr lang="ru-RU" sz="6000" dirty="0"/>
-              <a:t>. </a:t>
+              <a:t> </a:t>
             </a:r>
             <a:endParaRPr lang="en-US" sz="6000" dirty="0"/>
           </a:p>
@@ -3020,12 +3066,8 @@
             <a:pPr algn="ctr"/>
             <a:r>
               <a:rPr lang="ru-RU" sz="4000" dirty="0"/>
-              <a:t>Простое и надёжное общение с учениками.</a:t>
-            </a:r>
-          </a:p>
-          <a:p>
-            <a:pPr algn="ctr"/>
-            <a:endParaRPr lang="ru-RU" sz="4800" dirty="0"/>
+              <a:t>Простое и надёжное общение с учениками</a:t>
+            </a:r>
           </a:p>
         </p:txBody>
       </p:sp>
@@ -3057,7 +3099,7 @@
         </p:blipFill>
         <p:spPr>
           <a:xfrm>
-            <a:off x="6248172" y="970280"/>
+            <a:off x="6323253" y="358299"/>
             <a:ext cx="1362088" cy="1362088"/>
           </a:xfrm>
           <a:prstGeom prst="rect">
@@ -3139,7 +3181,7 @@
         </p:blipFill>
         <p:spPr>
           <a:xfrm>
-            <a:off x="6261292" y="1125549"/>
+            <a:off x="6336373" y="513568"/>
             <a:ext cx="2563609" cy="2041071"/>
           </a:xfrm>
           <a:prstGeom prst="rect">
@@ -3147,172 +3189,202 @@
           </a:prstGeom>
         </p:spPr>
       </p:pic>
-    </p:spTree>
-    <p:extLst>
-      <p:ext uri="{BB962C8B-B14F-4D97-AF65-F5344CB8AC3E}">
-        <p14:creationId xmlns:p14="http://schemas.microsoft.com/office/powerpoint/2010/main" val="3392491760"/>
-      </p:ext>
-    </p:extLst>
-  </p:cSld>
-  <p:clrMapOvr>
-    <a:masterClrMapping/>
-  </p:clrMapOvr>
-</p:sld>
-</file>
-
-<file path=ppt/slides/slide2.xml><?xml version="1.0" encoding="utf-8"?>
-<p:sld xmlns:a="http://schemas.openxmlformats.org/drawingml/2006/main" xmlns:r="http://schemas.openxmlformats.org/officeDocument/2006/relationships" xmlns:p="http://schemas.openxmlformats.org/presentationml/2006/main">
-  <p:cSld>
-    <p:spTree>
-      <p:nvGrpSpPr>
-        <p:cNvPr id="1" name=""/>
-        <p:cNvGrpSpPr/>
-        <p:nvPr/>
-      </p:nvGrpSpPr>
-      <p:grpSpPr>
-        <a:xfrm>
-          <a:off x="0" y="0"/>
-          <a:ext cx="0" cy="0"/>
-          <a:chOff x="0" y="0"/>
-          <a:chExt cx="0" cy="0"/>
-        </a:xfrm>
-      </p:grpSpPr>
-      <p:sp>
-        <p:nvSpPr>
-          <p:cNvPr id="2" name="Заголовок 1">
+      <p:sp>
+        <p:nvSpPr>
+          <p:cNvPr id="8" name="Прямоугольник: скругленные углы 7">
             <a:extLst>
               <a:ext uri="{FF2B5EF4-FFF2-40B4-BE49-F238E27FC236}">
-                <a16:creationId xmlns:a16="http://schemas.microsoft.com/office/drawing/2014/main" id="{01B05B1F-CAC2-4E40-8A43-57D8194B7D7D}"/>
+                <a16:creationId xmlns:a16="http://schemas.microsoft.com/office/drawing/2014/main" id="{EF1BC344-F90F-455E-849C-38EA47AB5EEF}"/>
               </a:ext>
             </a:extLst>
           </p:cNvPr>
-          <p:cNvSpPr>
-            <a:spLocks noGrp="1"/>
-          </p:cNvSpPr>
-          <p:nvPr>
-            <p:ph type="title"/>
-          </p:nvPr>
-        </p:nvSpPr>
-        <p:spPr/>
-        <p:txBody>
-          <a:bodyPr/>
-          <a:lstStyle/>
-          <a:p>
+          <p:cNvSpPr/>
+          <p:nvPr/>
+        </p:nvSpPr>
+        <p:spPr>
+          <a:xfrm>
+            <a:off x="549049" y="2865229"/>
+            <a:ext cx="4099151" cy="2294380"/>
+          </a:xfrm>
+          <a:prstGeom prst="roundRect">
+            <a:avLst/>
+          </a:prstGeom>
+        </p:spPr>
+        <p:style>
+          <a:lnRef idx="0">
+            <a:schemeClr val="accent1"/>
+          </a:lnRef>
+          <a:fillRef idx="3">
+            <a:schemeClr val="accent1"/>
+          </a:fillRef>
+          <a:effectRef idx="3">
+            <a:schemeClr val="accent1"/>
+          </a:effectRef>
+          <a:fontRef idx="minor">
+            <a:schemeClr val="lt1"/>
+          </a:fontRef>
+        </p:style>
+        <p:txBody>
+          <a:bodyPr rtlCol="0" anchor="ctr"/>
+          <a:lstStyle/>
+          <a:p>
+            <a:pPr algn="ctr"/>
             <a:endParaRPr lang="ru-RU"/>
           </a:p>
         </p:txBody>
       </p:sp>
       <p:sp>
         <p:nvSpPr>
-          <p:cNvPr id="3" name="Объект 2">
+          <p:cNvPr id="9" name="TextBox 8">
             <a:extLst>
               <a:ext uri="{FF2B5EF4-FFF2-40B4-BE49-F238E27FC236}">
-                <a16:creationId xmlns:a16="http://schemas.microsoft.com/office/drawing/2014/main" id="{22A0E9D1-7188-4003-B5E8-BA6D6BCDF546}"/>
+                <a16:creationId xmlns:a16="http://schemas.microsoft.com/office/drawing/2014/main" id="{06FB87DF-D55D-4C46-95DD-B3BC7A7BD2B7}"/>
               </a:ext>
             </a:extLst>
           </p:cNvPr>
-          <p:cNvSpPr>
-            <a:spLocks noGrp="1"/>
-          </p:cNvSpPr>
-          <p:nvPr>
-            <p:ph idx="1"/>
-          </p:nvPr>
-        </p:nvSpPr>
-        <p:spPr/>
-        <p:txBody>
-          <a:bodyPr/>
-          <a:lstStyle/>
-          <a:p>
-            <a:endParaRPr lang="ru-RU"/>
-          </a:p>
-        </p:txBody>
-      </p:sp>
-    </p:spTree>
-    <p:extLst>
-      <p:ext uri="{BB962C8B-B14F-4D97-AF65-F5344CB8AC3E}">
-        <p14:creationId xmlns:p14="http://schemas.microsoft.com/office/powerpoint/2010/main" val="3648077644"/>
-      </p:ext>
-    </p:extLst>
-  </p:cSld>
-  <p:clrMapOvr>
-    <a:masterClrMapping/>
-  </p:clrMapOvr>
-</p:sld>
-</file>
-
-<file path=ppt/slides/slide3.xml><?xml version="1.0" encoding="utf-8"?>
-<p:sld xmlns:a="http://schemas.openxmlformats.org/drawingml/2006/main" xmlns:r="http://schemas.openxmlformats.org/officeDocument/2006/relationships" xmlns:p="http://schemas.openxmlformats.org/presentationml/2006/main">
-  <p:cSld>
-    <p:spTree>
-      <p:nvGrpSpPr>
-        <p:cNvPr id="1" name=""/>
-        <p:cNvGrpSpPr/>
-        <p:nvPr/>
-      </p:nvGrpSpPr>
-      <p:grpSpPr>
-        <a:xfrm>
-          <a:off x="0" y="0"/>
-          <a:ext cx="0" cy="0"/>
-          <a:chOff x="0" y="0"/>
-          <a:chExt cx="0" cy="0"/>
-        </a:xfrm>
-      </p:grpSpPr>
-      <p:sp>
-        <p:nvSpPr>
-          <p:cNvPr id="2" name="Заголовок 1">
+          <p:cNvSpPr txBox="1"/>
+          <p:nvPr/>
+        </p:nvSpPr>
+        <p:spPr>
+          <a:xfrm>
+            <a:off x="659042" y="2884845"/>
+            <a:ext cx="3946751" cy="2185214"/>
+          </a:xfrm>
+          <a:prstGeom prst="rect">
+            <a:avLst/>
+          </a:prstGeom>
+          <a:noFill/>
+        </p:spPr>
+        <p:txBody>
+          <a:bodyPr wrap="square" rtlCol="0">
+            <a:spAutoFit/>
+          </a:bodyPr>
+          <a:lstStyle/>
+          <a:p>
+            <a:pPr algn="ctr"/>
+            <a:r>
+              <a:rPr lang="ru-RU" sz="3600" u="sng" dirty="0">
+                <a:solidFill>
+                  <a:schemeClr val="bg1"/>
+                </a:solidFill>
+              </a:rPr>
+              <a:t>Проблема</a:t>
+            </a:r>
+          </a:p>
+          <a:p>
+            <a:pPr algn="ctr"/>
+            <a:r>
+              <a:rPr lang="ru-RU" sz="2000" dirty="0">
+                <a:solidFill>
+                  <a:schemeClr val="bg1"/>
+                </a:solidFill>
+              </a:rPr>
+              <a:t>У учителей нет надёжного и простого способа быстро доносить информацию до учеников удалённо. Проблема обостряется на фоне пандемии.</a:t>
+            </a:r>
+          </a:p>
+        </p:txBody>
+      </p:sp>
+      <p:sp>
+        <p:nvSpPr>
+          <p:cNvPr id="12" name="Прямоугольник: скругленные углы 11">
             <a:extLst>
               <a:ext uri="{FF2B5EF4-FFF2-40B4-BE49-F238E27FC236}">
-                <a16:creationId xmlns:a16="http://schemas.microsoft.com/office/drawing/2014/main" id="{E784D679-3983-4539-92DD-AE23DA5917D1}"/>
+                <a16:creationId xmlns:a16="http://schemas.microsoft.com/office/drawing/2014/main" id="{BEB70164-B161-48E2-B9C5-3C25F5C92BD8}"/>
               </a:ext>
             </a:extLst>
           </p:cNvPr>
-          <p:cNvSpPr>
-            <a:spLocks noGrp="1"/>
-          </p:cNvSpPr>
-          <p:nvPr>
-            <p:ph type="title"/>
-          </p:nvPr>
-        </p:nvSpPr>
-        <p:spPr/>
-        <p:txBody>
-          <a:bodyPr/>
-          <a:lstStyle/>
-          <a:p>
-            <a:endParaRPr lang="ru-RU"/>
-          </a:p>
-        </p:txBody>
-      </p:sp>
-      <p:sp>
-        <p:nvSpPr>
-          <p:cNvPr id="3" name="Объект 2">
+          <p:cNvSpPr/>
+          <p:nvPr/>
+        </p:nvSpPr>
+        <p:spPr>
+          <a:xfrm>
+            <a:off x="549048" y="5421991"/>
+            <a:ext cx="4099151" cy="4816024"/>
+          </a:xfrm>
+          <a:prstGeom prst="roundRect">
+            <a:avLst/>
+          </a:prstGeom>
+        </p:spPr>
+        <p:style>
+          <a:lnRef idx="0">
+            <a:schemeClr val="accent1"/>
+          </a:lnRef>
+          <a:fillRef idx="3">
+            <a:schemeClr val="accent1"/>
+          </a:fillRef>
+          <a:effectRef idx="3">
+            <a:schemeClr val="accent1"/>
+          </a:effectRef>
+          <a:fontRef idx="minor">
+            <a:schemeClr val="lt1"/>
+          </a:fontRef>
+        </p:style>
+        <p:txBody>
+          <a:bodyPr rtlCol="0" anchor="ctr"/>
+          <a:lstStyle/>
+          <a:p>
+            <a:pPr algn="ctr"/>
+            <a:endParaRPr lang="ru-RU" dirty="0"/>
+          </a:p>
+        </p:txBody>
+      </p:sp>
+      <p:sp>
+        <p:nvSpPr>
+          <p:cNvPr id="10" name="TextBox 9">
             <a:extLst>
               <a:ext uri="{FF2B5EF4-FFF2-40B4-BE49-F238E27FC236}">
-                <a16:creationId xmlns:a16="http://schemas.microsoft.com/office/drawing/2014/main" id="{016744BF-5536-498D-BD2B-4171DAD519C2}"/>
+                <a16:creationId xmlns:a16="http://schemas.microsoft.com/office/drawing/2014/main" id="{0CB1BEBD-D2F0-44E5-80E2-77E335F14365}"/>
               </a:ext>
             </a:extLst>
           </p:cNvPr>
-          <p:cNvSpPr>
-            <a:spLocks noGrp="1"/>
-          </p:cNvSpPr>
-          <p:nvPr>
-            <p:ph idx="1"/>
-          </p:nvPr>
-        </p:nvSpPr>
-        <p:spPr/>
-        <p:txBody>
-          <a:bodyPr/>
-          <a:lstStyle/>
-          <a:p>
-            <a:endParaRPr lang="ru-RU"/>
+          <p:cNvSpPr txBox="1"/>
+          <p:nvPr/>
+        </p:nvSpPr>
+        <p:spPr>
+          <a:xfrm>
+            <a:off x="625248" y="5571543"/>
+            <a:ext cx="4022952" cy="646331"/>
+          </a:xfrm>
+          <a:prstGeom prst="rect">
+            <a:avLst/>
+          </a:prstGeom>
+          <a:noFill/>
+        </p:spPr>
+        <p:txBody>
+          <a:bodyPr wrap="square" rtlCol="0">
+            <a:spAutoFit/>
+          </a:bodyPr>
+          <a:lstStyle/>
+          <a:p>
+            <a:r>
+              <a:rPr lang="ru-RU" dirty="0"/>
+              <a:t>	</a:t>
+            </a:r>
+            <a:r>
+              <a:rPr lang="ru-RU" dirty="0">
+                <a:solidFill>
+                  <a:schemeClr val="bg1"/>
+                </a:solidFill>
+              </a:rPr>
+              <a:t>	</a:t>
+            </a:r>
+            <a:r>
+              <a:rPr lang="ru-RU" sz="3600" u="sng" dirty="0">
+                <a:solidFill>
+                  <a:schemeClr val="bg1"/>
+                </a:solidFill>
+              </a:rPr>
+              <a:t>Аналоги</a:t>
+            </a:r>
           </a:p>
         </p:txBody>
       </p:sp>
       <p:pic>
         <p:nvPicPr>
-          <p:cNvPr id="4" name="Рисунок 3">
+          <p:cNvPr id="14" name="Рисунок 13">
             <a:extLst>
               <a:ext uri="{FF2B5EF4-FFF2-40B4-BE49-F238E27FC236}">
-                <a16:creationId xmlns:a16="http://schemas.microsoft.com/office/drawing/2014/main" id="{39BA4686-9A23-4B9A-A888-D16C24291B78}"/>
+                <a16:creationId xmlns:a16="http://schemas.microsoft.com/office/drawing/2014/main" id="{0AB1DE72-E312-46B7-9DD4-9C938DFFB1AD}"/>
               </a:ext>
             </a:extLst>
           </p:cNvPr>
@@ -3322,7 +3394,7 @@
           <p:nvPr/>
         </p:nvPicPr>
         <p:blipFill>
-          <a:blip r:embed="rId2">
+          <a:blip r:embed="rId5">
             <a:extLst>
               <a:ext uri="{28A0092B-C50C-407E-A947-70E740481C1C}">
                 <a14:useLocalDpi xmlns:a14="http://schemas.microsoft.com/office/drawing/2010/main" val="0"/>
@@ -3335,18 +3407,828 @@
         </p:blipFill>
         <p:spPr>
           <a:xfrm>
-            <a:off x="7684234" y="446180"/>
-            <a:ext cx="1916966" cy="1916966"/>
+            <a:off x="3311989" y="6507787"/>
+            <a:ext cx="1000089" cy="1144685"/>
+          </a:xfrm>
+          <a:prstGeom prst="roundRect">
+            <a:avLst>
+              <a:gd name="adj" fmla="val 4167"/>
+            </a:avLst>
+          </a:prstGeom>
+          <a:solidFill>
+            <a:srgbClr val="FFFFFF"/>
+          </a:solidFill>
+          <a:ln w="76200" cap="sq">
+            <a:solidFill>
+              <a:srgbClr val="EAEAEA"/>
+            </a:solidFill>
+            <a:miter lim="800000"/>
+          </a:ln>
+          <a:effectLst>
+            <a:reflection blurRad="12700" stA="33000" endPos="28000" dist="5000" dir="5400000" sy="-100000" algn="bl" rotWithShape="0"/>
+          </a:effectLst>
+          <a:scene3d>
+            <a:camera prst="orthographicFront"/>
+            <a:lightRig rig="threePt" dir="t">
+              <a:rot lat="0" lon="0" rev="2700000"/>
+            </a:lightRig>
+          </a:scene3d>
+          <a:sp3d contourW="6350">
+            <a:bevelT h="38100"/>
+            <a:contourClr>
+              <a:srgbClr val="C0C0C0"/>
+            </a:contourClr>
+          </a:sp3d>
+        </p:spPr>
+      </p:pic>
+      <p:sp>
+        <p:nvSpPr>
+          <p:cNvPr id="16" name="TextBox 15">
+            <a:extLst>
+              <a:ext uri="{FF2B5EF4-FFF2-40B4-BE49-F238E27FC236}">
+                <a16:creationId xmlns:a16="http://schemas.microsoft.com/office/drawing/2014/main" id="{7D5BCA0F-58A2-4028-BB9A-4E33450B64D7}"/>
+              </a:ext>
+            </a:extLst>
+          </p:cNvPr>
+          <p:cNvSpPr txBox="1"/>
+          <p:nvPr/>
+        </p:nvSpPr>
+        <p:spPr>
+          <a:xfrm>
+            <a:off x="749370" y="6239639"/>
+            <a:ext cx="3062664" cy="1631216"/>
+          </a:xfrm>
+          <a:prstGeom prst="rect">
+            <a:avLst/>
+          </a:prstGeom>
+          <a:noFill/>
+        </p:spPr>
+        <p:txBody>
+          <a:bodyPr wrap="square" rtlCol="0">
+            <a:spAutoFit/>
+          </a:bodyPr>
+          <a:lstStyle/>
+          <a:p>
+            <a:pPr algn="ctr"/>
+            <a:r>
+              <a:rPr lang="ru-RU" sz="2000" b="1" dirty="0">
+                <a:solidFill>
+                  <a:srgbClr val="FF6969"/>
+                </a:solidFill>
+              </a:rPr>
+              <a:t>Плохо: </a:t>
+            </a:r>
+          </a:p>
+          <a:p>
+            <a:pPr marL="285750" indent="-285750">
+              <a:buFont typeface="Arial" panose="020B0604020202020204" pitchFamily="34" charset="0"/>
+              <a:buChar char="•"/>
+            </a:pPr>
+            <a:r>
+              <a:rPr lang="ru-RU" sz="2000" dirty="0">
+                <a:solidFill>
+                  <a:schemeClr val="bg1"/>
+                </a:solidFill>
+              </a:rPr>
+              <a:t>Непонятен для учителей</a:t>
+            </a:r>
+          </a:p>
+          <a:p>
+            <a:pPr algn="ctr"/>
+            <a:r>
+              <a:rPr lang="ru-RU" sz="2000" b="1" dirty="0">
+                <a:solidFill>
+                  <a:srgbClr val="66FF33"/>
+                </a:solidFill>
+              </a:rPr>
+              <a:t>Хорошо: </a:t>
+            </a:r>
+          </a:p>
+          <a:p>
+            <a:pPr marL="285750" indent="-285750">
+              <a:buFont typeface="Arial" panose="020B0604020202020204" pitchFamily="34" charset="0"/>
+              <a:buChar char="•"/>
+            </a:pPr>
+            <a:r>
+              <a:rPr lang="ru-RU" sz="2000" dirty="0">
+                <a:solidFill>
+                  <a:schemeClr val="bg1"/>
+                </a:solidFill>
+              </a:rPr>
+              <a:t>Система ролей</a:t>
+            </a:r>
+          </a:p>
+        </p:txBody>
+      </p:sp>
+      <p:sp>
+        <p:nvSpPr>
+          <p:cNvPr id="17" name="TextBox 16">
+            <a:extLst>
+              <a:ext uri="{FF2B5EF4-FFF2-40B4-BE49-F238E27FC236}">
+                <a16:creationId xmlns:a16="http://schemas.microsoft.com/office/drawing/2014/main" id="{E0B19E53-807B-4CAF-997A-A7626D97ECCD}"/>
+              </a:ext>
+            </a:extLst>
+          </p:cNvPr>
+          <p:cNvSpPr txBox="1"/>
+          <p:nvPr/>
+        </p:nvSpPr>
+        <p:spPr>
+          <a:xfrm>
+            <a:off x="1974475" y="7991489"/>
+            <a:ext cx="2835907" cy="1938992"/>
+          </a:xfrm>
+          <a:prstGeom prst="rect">
+            <a:avLst/>
+          </a:prstGeom>
+          <a:noFill/>
+        </p:spPr>
+        <p:txBody>
+          <a:bodyPr wrap="square" rtlCol="0">
+            <a:spAutoFit/>
+          </a:bodyPr>
+          <a:lstStyle/>
+          <a:p>
+            <a:pPr algn="ctr"/>
+            <a:r>
+              <a:rPr lang="ru-RU" sz="2000" b="1" dirty="0">
+                <a:solidFill>
+                  <a:srgbClr val="FF6969"/>
+                </a:solidFill>
+              </a:rPr>
+              <a:t>Плохо:</a:t>
+            </a:r>
+          </a:p>
+          <a:p>
+            <a:pPr marL="285750" indent="-285750">
+              <a:buFont typeface="Arial" panose="020B0604020202020204" pitchFamily="34" charset="0"/>
+              <a:buChar char="•"/>
+            </a:pPr>
+            <a:r>
+              <a:rPr lang="ru-RU" sz="2000" dirty="0">
+                <a:solidFill>
+                  <a:schemeClr val="bg1"/>
+                </a:solidFill>
+              </a:rPr>
+              <a:t>Нет системы ролей</a:t>
+            </a:r>
+          </a:p>
+          <a:p>
+            <a:pPr marL="285750" indent="-285750">
+              <a:buFont typeface="Arial" panose="020B0604020202020204" pitchFamily="34" charset="0"/>
+              <a:buChar char="•"/>
+            </a:pPr>
+            <a:r>
+              <a:rPr lang="ru-RU" sz="2000" dirty="0">
+                <a:solidFill>
+                  <a:schemeClr val="bg1"/>
+                </a:solidFill>
+              </a:rPr>
+              <a:t>Сложность интегрирования</a:t>
+            </a:r>
+          </a:p>
+          <a:p>
+            <a:pPr algn="ctr"/>
+            <a:r>
+              <a:rPr lang="ru-RU" sz="2000" b="1" dirty="0">
+                <a:solidFill>
+                  <a:srgbClr val="66FF33"/>
+                </a:solidFill>
+              </a:rPr>
+              <a:t>Хорошо:</a:t>
+            </a:r>
+          </a:p>
+          <a:p>
+            <a:pPr marL="285750" indent="-285750">
+              <a:buFont typeface="Arial" panose="020B0604020202020204" pitchFamily="34" charset="0"/>
+              <a:buChar char="•"/>
+            </a:pPr>
+            <a:r>
+              <a:rPr lang="ru-RU" sz="2000" dirty="0">
+                <a:solidFill>
+                  <a:schemeClr val="bg1"/>
+                </a:solidFill>
+              </a:rPr>
+              <a:t>Массовая рассылка</a:t>
+            </a:r>
+          </a:p>
+        </p:txBody>
+      </p:sp>
+      <p:pic>
+        <p:nvPicPr>
+          <p:cNvPr id="21" name="Рисунок 20">
+            <a:extLst>
+              <a:ext uri="{FF2B5EF4-FFF2-40B4-BE49-F238E27FC236}">
+                <a16:creationId xmlns:a16="http://schemas.microsoft.com/office/drawing/2014/main" id="{D74A3D88-CCD3-4A37-960B-D1FEF02F1D04}"/>
+              </a:ext>
+            </a:extLst>
+          </p:cNvPr>
+          <p:cNvPicPr>
+            <a:picLocks noChangeAspect="1"/>
+          </p:cNvPicPr>
+          <p:nvPr/>
+        </p:nvPicPr>
+        <p:blipFill>
+          <a:blip r:embed="rId6">
+            <a:extLst>
+              <a:ext uri="{28A0092B-C50C-407E-A947-70E740481C1C}">
+                <a14:useLocalDpi xmlns:a14="http://schemas.microsoft.com/office/drawing/2010/main" val="0"/>
+              </a:ext>
+            </a:extLst>
+          </a:blip>
+          <a:stretch>
+            <a:fillRect/>
+          </a:stretch>
+        </p:blipFill>
+        <p:spPr>
+          <a:xfrm>
+            <a:off x="5403048" y="10004734"/>
+            <a:ext cx="3496931" cy="2294380"/>
+          </a:xfrm>
+          <a:prstGeom prst="roundRect">
+            <a:avLst>
+              <a:gd name="adj" fmla="val 4167"/>
+            </a:avLst>
+          </a:prstGeom>
+          <a:solidFill>
+            <a:srgbClr val="FFFFFF"/>
+          </a:solidFill>
+          <a:ln w="76200" cap="sq">
+            <a:solidFill>
+              <a:srgbClr val="292929"/>
+            </a:solidFill>
+            <a:miter lim="800000"/>
+          </a:ln>
+          <a:effectLst>
+            <a:reflection blurRad="12700" stA="28000" endPos="28000" dist="5000" dir="5400000" sy="-100000" algn="bl" rotWithShape="0"/>
+          </a:effectLst>
+          <a:scene3d>
+            <a:camera prst="orthographicFront"/>
+            <a:lightRig rig="threePt" dir="t">
+              <a:rot lat="0" lon="0" rev="2700000"/>
+            </a:lightRig>
+          </a:scene3d>
+          <a:sp3d>
+            <a:bevelT h="38100"/>
+            <a:contourClr>
+              <a:srgbClr val="C0C0C0"/>
+            </a:contourClr>
+          </a:sp3d>
+        </p:spPr>
+        <p:style>
+          <a:lnRef idx="0">
+            <a:schemeClr val="accent1"/>
+          </a:lnRef>
+          <a:fillRef idx="3">
+            <a:schemeClr val="accent1"/>
+          </a:fillRef>
+          <a:effectRef idx="3">
+            <a:schemeClr val="accent1"/>
+          </a:effectRef>
+          <a:fontRef idx="minor">
+            <a:schemeClr val="lt1"/>
+          </a:fontRef>
+        </p:style>
+      </p:pic>
+      <p:sp>
+        <p:nvSpPr>
+          <p:cNvPr id="23" name="Прямоугольник: скругленные углы 22">
+            <a:extLst>
+              <a:ext uri="{FF2B5EF4-FFF2-40B4-BE49-F238E27FC236}">
+                <a16:creationId xmlns:a16="http://schemas.microsoft.com/office/drawing/2014/main" id="{5282EC18-1534-43C6-9EC8-CD04D4302F72}"/>
+              </a:ext>
+            </a:extLst>
+          </p:cNvPr>
+          <p:cNvSpPr/>
+          <p:nvPr/>
+        </p:nvSpPr>
+        <p:spPr>
+          <a:xfrm>
+            <a:off x="5445426" y="2884845"/>
+            <a:ext cx="3463137" cy="1362088"/>
+          </a:xfrm>
+          <a:prstGeom prst="roundRect">
+            <a:avLst/>
+          </a:prstGeom>
+        </p:spPr>
+        <p:style>
+          <a:lnRef idx="0">
+            <a:schemeClr val="accent1"/>
+          </a:lnRef>
+          <a:fillRef idx="3">
+            <a:schemeClr val="accent1"/>
+          </a:fillRef>
+          <a:effectRef idx="3">
+            <a:schemeClr val="accent1"/>
+          </a:effectRef>
+          <a:fontRef idx="minor">
+            <a:schemeClr val="lt1"/>
+          </a:fontRef>
+        </p:style>
+        <p:txBody>
+          <a:bodyPr rtlCol="0" anchor="ctr"/>
+          <a:lstStyle/>
+          <a:p>
+            <a:pPr algn="ctr"/>
+            <a:r>
+              <a:rPr lang="ru-RU" sz="3600" u="sng" dirty="0"/>
+              <a:t>Преимущества </a:t>
+            </a:r>
+            <a:r>
+              <a:rPr lang="ru-RU" sz="3600" u="sng" dirty="0" err="1"/>
+              <a:t>Бато</a:t>
+            </a:r>
+            <a:endParaRPr lang="ru-RU" sz="3600" u="sng" dirty="0"/>
+          </a:p>
+        </p:txBody>
+      </p:sp>
+      <p:sp>
+        <p:nvSpPr>
+          <p:cNvPr id="25" name="TextBox 24">
+            <a:extLst>
+              <a:ext uri="{FF2B5EF4-FFF2-40B4-BE49-F238E27FC236}">
+                <a16:creationId xmlns:a16="http://schemas.microsoft.com/office/drawing/2014/main" id="{D09DB93D-D3A9-4330-A0C4-C676BA959132}"/>
+              </a:ext>
+            </a:extLst>
+          </p:cNvPr>
+          <p:cNvSpPr txBox="1"/>
+          <p:nvPr/>
+        </p:nvSpPr>
+        <p:spPr>
+          <a:xfrm>
+            <a:off x="5403050" y="7733045"/>
+            <a:ext cx="3685283" cy="2462213"/>
+          </a:xfrm>
+          <a:prstGeom prst="rect">
+            <a:avLst/>
+          </a:prstGeom>
+          <a:noFill/>
+        </p:spPr>
+        <p:txBody>
+          <a:bodyPr wrap="square" rtlCol="0">
+            <a:spAutoFit/>
+          </a:bodyPr>
+          <a:lstStyle/>
+          <a:p>
+            <a:pPr marL="285750" indent="-285750">
+              <a:buFont typeface="Arial" panose="020B0604020202020204" pitchFamily="34" charset="0"/>
+              <a:buChar char="•"/>
+            </a:pPr>
+            <a:r>
+              <a:rPr lang="ru-RU" sz="2200" dirty="0">
+                <a:solidFill>
+                  <a:schemeClr val="bg1"/>
+                </a:solidFill>
+              </a:rPr>
+              <a:t>Всегда под рукой</a:t>
+            </a:r>
+          </a:p>
+          <a:p>
+            <a:pPr marL="285750" indent="-285750">
+              <a:buFont typeface="Arial" panose="020B0604020202020204" pitchFamily="34" charset="0"/>
+              <a:buChar char="•"/>
+            </a:pPr>
+            <a:r>
+              <a:rPr lang="ru-RU" sz="2200" dirty="0">
+                <a:solidFill>
+                  <a:schemeClr val="bg1"/>
+                </a:solidFill>
+              </a:rPr>
+              <a:t>Система ролей</a:t>
+            </a:r>
+          </a:p>
+          <a:p>
+            <a:pPr marL="285750" indent="-285750">
+              <a:buFont typeface="Arial" panose="020B0604020202020204" pitchFamily="34" charset="0"/>
+              <a:buChar char="•"/>
+            </a:pPr>
+            <a:r>
+              <a:rPr lang="ru-RU" sz="2200" dirty="0">
+                <a:solidFill>
+                  <a:schemeClr val="bg1"/>
+                </a:solidFill>
+              </a:rPr>
+              <a:t>Лёгкость интегрирования</a:t>
+            </a:r>
+          </a:p>
+          <a:p>
+            <a:pPr marL="285750" indent="-285750">
+              <a:buFont typeface="Arial" panose="020B0604020202020204" pitchFamily="34" charset="0"/>
+              <a:buChar char="•"/>
+            </a:pPr>
+            <a:r>
+              <a:rPr lang="ru-RU" sz="2200" dirty="0">
+                <a:solidFill>
+                  <a:schemeClr val="bg1"/>
+                </a:solidFill>
+              </a:rPr>
+              <a:t>Интуитивный интерфейс на основе чата </a:t>
+            </a:r>
+            <a:r>
+              <a:rPr lang="ru-RU" sz="2200" dirty="0" err="1">
+                <a:solidFill>
+                  <a:schemeClr val="bg1"/>
+                </a:solidFill>
+              </a:rPr>
+              <a:t>Вконтакте</a:t>
+            </a:r>
+            <a:endParaRPr lang="ru-RU" sz="2200" dirty="0">
+              <a:solidFill>
+                <a:schemeClr val="bg1"/>
+              </a:solidFill>
+            </a:endParaRPr>
+          </a:p>
+          <a:p>
+            <a:pPr marL="285750" indent="-285750">
+              <a:buFont typeface="Arial" panose="020B0604020202020204" pitchFamily="34" charset="0"/>
+              <a:buChar char="•"/>
+            </a:pPr>
+            <a:endParaRPr lang="ru-RU" sz="2200" dirty="0">
+              <a:solidFill>
+                <a:schemeClr val="bg1"/>
+              </a:solidFill>
+            </a:endParaRPr>
+          </a:p>
+          <a:p>
+            <a:endParaRPr lang="ru-RU" sz="2200" dirty="0">
+              <a:solidFill>
+                <a:schemeClr val="bg1"/>
+              </a:solidFill>
+            </a:endParaRPr>
+          </a:p>
+        </p:txBody>
+      </p:sp>
+      <p:pic>
+        <p:nvPicPr>
+          <p:cNvPr id="27" name="Рисунок 26">
+            <a:extLst>
+              <a:ext uri="{FF2B5EF4-FFF2-40B4-BE49-F238E27FC236}">
+                <a16:creationId xmlns:a16="http://schemas.microsoft.com/office/drawing/2014/main" id="{7734E43B-8522-4F1E-BC17-C9ACF1BBBDBB}"/>
+              </a:ext>
+            </a:extLst>
+          </p:cNvPr>
+          <p:cNvPicPr>
+            <a:picLocks noChangeAspect="1"/>
+          </p:cNvPicPr>
+          <p:nvPr/>
+        </p:nvPicPr>
+        <p:blipFill>
+          <a:blip r:embed="rId7">
+            <a:extLst>
+              <a:ext uri="{28A0092B-C50C-407E-A947-70E740481C1C}">
+                <a14:useLocalDpi xmlns:a14="http://schemas.microsoft.com/office/drawing/2010/main" val="0"/>
+              </a:ext>
+            </a:extLst>
+          </a:blip>
+          <a:stretch>
+            <a:fillRect/>
+          </a:stretch>
+        </p:blipFill>
+        <p:spPr>
+          <a:xfrm>
+            <a:off x="791061" y="8361425"/>
+            <a:ext cx="1012169" cy="1012168"/>
+          </a:xfrm>
+          <a:prstGeom prst="roundRect">
+            <a:avLst>
+              <a:gd name="adj" fmla="val 4167"/>
+            </a:avLst>
+          </a:prstGeom>
+          <a:solidFill>
+            <a:srgbClr val="FFFFFF"/>
+          </a:solidFill>
+          <a:ln w="76200" cap="sq">
+            <a:solidFill>
+              <a:srgbClr val="EAEAEA"/>
+            </a:solidFill>
+            <a:miter lim="800000"/>
+          </a:ln>
+          <a:effectLst>
+            <a:reflection blurRad="12700" stA="33000" endPos="28000" dist="5000" dir="5400000" sy="-100000" algn="bl" rotWithShape="0"/>
+          </a:effectLst>
+          <a:scene3d>
+            <a:camera prst="orthographicFront"/>
+            <a:lightRig rig="threePt" dir="t">
+              <a:rot lat="0" lon="0" rev="2700000"/>
+            </a:lightRig>
+          </a:scene3d>
+          <a:sp3d contourW="6350">
+            <a:bevelT h="38100"/>
+            <a:contourClr>
+              <a:srgbClr val="C0C0C0"/>
+            </a:contourClr>
+          </a:sp3d>
+        </p:spPr>
+      </p:pic>
+      <p:pic>
+        <p:nvPicPr>
+          <p:cNvPr id="31" name="Рисунок 30">
+            <a:extLst>
+              <a:ext uri="{FF2B5EF4-FFF2-40B4-BE49-F238E27FC236}">
+                <a16:creationId xmlns:a16="http://schemas.microsoft.com/office/drawing/2014/main" id="{15AEA439-451E-4312-AD5F-BF1DE8EBFA6D}"/>
+              </a:ext>
+            </a:extLst>
+          </p:cNvPr>
+          <p:cNvPicPr>
+            <a:picLocks noChangeAspect="1"/>
+          </p:cNvPicPr>
+          <p:nvPr/>
+        </p:nvPicPr>
+        <p:blipFill>
+          <a:blip r:embed="rId8">
+            <a:extLst>
+              <a:ext uri="{28A0092B-C50C-407E-A947-70E740481C1C}">
+                <a14:useLocalDpi xmlns:a14="http://schemas.microsoft.com/office/drawing/2010/main" val="0"/>
+              </a:ext>
+            </a:extLst>
+          </a:blip>
+          <a:stretch>
+            <a:fillRect/>
+          </a:stretch>
+        </p:blipFill>
+        <p:spPr>
+          <a:xfrm>
+            <a:off x="5403050" y="4641865"/>
+            <a:ext cx="3496932" cy="2598661"/>
           </a:xfrm>
           <a:prstGeom prst="rect">
             <a:avLst/>
           </a:prstGeom>
         </p:spPr>
       </p:pic>
+      <p:sp>
+        <p:nvSpPr>
+          <p:cNvPr id="32" name="TextBox 31">
+            <a:extLst>
+              <a:ext uri="{FF2B5EF4-FFF2-40B4-BE49-F238E27FC236}">
+                <a16:creationId xmlns:a16="http://schemas.microsoft.com/office/drawing/2014/main" id="{B5806CC6-AF74-441E-9C0C-D6616FC3871B}"/>
+              </a:ext>
+            </a:extLst>
+          </p:cNvPr>
+          <p:cNvSpPr txBox="1"/>
+          <p:nvPr/>
+        </p:nvSpPr>
+        <p:spPr>
+          <a:xfrm>
+            <a:off x="6038532" y="7278345"/>
+            <a:ext cx="3037114" cy="276999"/>
+          </a:xfrm>
+          <a:prstGeom prst="rect">
+            <a:avLst/>
+          </a:prstGeom>
+          <a:noFill/>
+        </p:spPr>
+        <p:txBody>
+          <a:bodyPr wrap="square" rtlCol="0">
+            <a:spAutoFit/>
+          </a:bodyPr>
+          <a:lstStyle/>
+          <a:p>
+            <a:r>
+              <a:rPr lang="ru-RU" sz="1200" i="1" dirty="0"/>
+              <a:t>Схема распределения ролей</a:t>
+            </a:r>
+          </a:p>
+        </p:txBody>
+      </p:sp>
+      <p:sp>
+        <p:nvSpPr>
+          <p:cNvPr id="33" name="TextBox 32">
+            <a:extLst>
+              <a:ext uri="{FF2B5EF4-FFF2-40B4-BE49-F238E27FC236}">
+                <a16:creationId xmlns:a16="http://schemas.microsoft.com/office/drawing/2014/main" id="{93A71628-5673-45AE-90F9-F6A2F6D323AD}"/>
+              </a:ext>
+            </a:extLst>
+          </p:cNvPr>
+          <p:cNvSpPr txBox="1"/>
+          <p:nvPr/>
+        </p:nvSpPr>
+        <p:spPr>
+          <a:xfrm>
+            <a:off x="6199309" y="10004734"/>
+            <a:ext cx="2718455" cy="646331"/>
+          </a:xfrm>
+          <a:prstGeom prst="rect">
+            <a:avLst/>
+          </a:prstGeom>
+          <a:noFill/>
+        </p:spPr>
+        <p:txBody>
+          <a:bodyPr wrap="square" rtlCol="0">
+            <a:spAutoFit/>
+          </a:bodyPr>
+          <a:lstStyle/>
+          <a:p>
+            <a:pPr algn="ctr"/>
+            <a:r>
+              <a:rPr lang="ru-RU" sz="1200" dirty="0">
+                <a:highlight>
+                  <a:srgbClr val="C0C0C0"/>
+                </a:highlight>
+              </a:rPr>
+              <a:t>Тут потом будет</a:t>
+            </a:r>
+          </a:p>
+          <a:p>
+            <a:pPr algn="ctr"/>
+            <a:r>
+              <a:rPr lang="ru-RU" sz="1200" dirty="0">
+                <a:highlight>
+                  <a:srgbClr val="C0C0C0"/>
+                </a:highlight>
+              </a:rPr>
+              <a:t>Скриншот с кнопками</a:t>
+            </a:r>
+          </a:p>
+          <a:p>
+            <a:pPr algn="ctr"/>
+            <a:r>
+              <a:rPr lang="ru-RU" sz="1200" dirty="0">
+                <a:highlight>
+                  <a:srgbClr val="C0C0C0"/>
+                </a:highlight>
+              </a:rPr>
+              <a:t>Из моего чата</a:t>
+            </a:r>
+          </a:p>
+        </p:txBody>
+      </p:sp>
+      <p:sp>
+        <p:nvSpPr>
+          <p:cNvPr id="34" name="Прямоугольник: скругленные углы 33">
+            <a:extLst>
+              <a:ext uri="{FF2B5EF4-FFF2-40B4-BE49-F238E27FC236}">
+                <a16:creationId xmlns:a16="http://schemas.microsoft.com/office/drawing/2014/main" id="{4C892B80-8915-43F3-AAE7-B926ABB61547}"/>
+              </a:ext>
+            </a:extLst>
+          </p:cNvPr>
+          <p:cNvSpPr/>
+          <p:nvPr/>
+        </p:nvSpPr>
+        <p:spPr>
+          <a:xfrm>
+            <a:off x="549047" y="10479284"/>
+            <a:ext cx="4099151" cy="2007015"/>
+          </a:xfrm>
+          <a:prstGeom prst="roundRect">
+            <a:avLst/>
+          </a:prstGeom>
+        </p:spPr>
+        <p:style>
+          <a:lnRef idx="0">
+            <a:schemeClr val="accent1"/>
+          </a:lnRef>
+          <a:fillRef idx="3">
+            <a:schemeClr val="accent1"/>
+          </a:fillRef>
+          <a:effectRef idx="3">
+            <a:schemeClr val="accent1"/>
+          </a:effectRef>
+          <a:fontRef idx="minor">
+            <a:schemeClr val="lt1"/>
+          </a:fontRef>
+        </p:style>
+        <p:txBody>
+          <a:bodyPr rtlCol="0" anchor="ctr"/>
+          <a:lstStyle/>
+          <a:p>
+            <a:pPr algn="ctr"/>
+            <a:endParaRPr lang="ru-RU" dirty="0"/>
+          </a:p>
+        </p:txBody>
+      </p:sp>
+      <p:sp>
+        <p:nvSpPr>
+          <p:cNvPr id="35" name="TextBox 34">
+            <a:extLst>
+              <a:ext uri="{FF2B5EF4-FFF2-40B4-BE49-F238E27FC236}">
+                <a16:creationId xmlns:a16="http://schemas.microsoft.com/office/drawing/2014/main" id="{7E5998C0-B54B-46DE-A079-0A8D33F34EBD}"/>
+              </a:ext>
+            </a:extLst>
+          </p:cNvPr>
+          <p:cNvSpPr txBox="1"/>
+          <p:nvPr/>
+        </p:nvSpPr>
+        <p:spPr>
+          <a:xfrm>
+            <a:off x="549047" y="10604500"/>
+            <a:ext cx="4056746" cy="1785104"/>
+          </a:xfrm>
+          <a:prstGeom prst="rect">
+            <a:avLst/>
+          </a:prstGeom>
+          <a:noFill/>
+        </p:spPr>
+        <p:txBody>
+          <a:bodyPr wrap="square" rtlCol="0">
+            <a:spAutoFit/>
+          </a:bodyPr>
+          <a:lstStyle/>
+          <a:p>
+            <a:pPr algn="ctr"/>
+            <a:r>
+              <a:rPr lang="ru-RU" sz="3000" u="sng" dirty="0">
+                <a:solidFill>
+                  <a:schemeClr val="bg1"/>
+                </a:solidFill>
+              </a:rPr>
+              <a:t>Экономическая выгода</a:t>
+            </a:r>
+          </a:p>
+          <a:p>
+            <a:pPr algn="ctr"/>
+            <a:r>
+              <a:rPr lang="ru-RU" sz="2000" dirty="0">
+                <a:solidFill>
+                  <a:schemeClr val="bg1"/>
+                </a:solidFill>
+              </a:rPr>
+              <a:t>Получение прибыли планируется с взимания платы с юридических лиц за пользование сервисом по еженедельной подписке. </a:t>
+            </a:r>
+          </a:p>
+        </p:txBody>
+      </p:sp>
+      <p:sp>
+        <p:nvSpPr>
+          <p:cNvPr id="36" name="TextBox 35">
+            <a:extLst>
+              <a:ext uri="{FF2B5EF4-FFF2-40B4-BE49-F238E27FC236}">
+                <a16:creationId xmlns:a16="http://schemas.microsoft.com/office/drawing/2014/main" id="{F123E992-E19B-4A41-B5B9-2653568792CC}"/>
+              </a:ext>
+            </a:extLst>
+          </p:cNvPr>
+          <p:cNvSpPr txBox="1"/>
+          <p:nvPr/>
+        </p:nvSpPr>
+        <p:spPr>
+          <a:xfrm rot="16200000">
+            <a:off x="7763244" y="10365653"/>
+            <a:ext cx="2988004" cy="369332"/>
+          </a:xfrm>
+          <a:prstGeom prst="rect">
+            <a:avLst/>
+          </a:prstGeom>
+          <a:noFill/>
+        </p:spPr>
+        <p:txBody>
+          <a:bodyPr wrap="square" rtlCol="0">
+            <a:spAutoFit/>
+          </a:bodyPr>
+          <a:lstStyle/>
+          <a:p>
+            <a:r>
+              <a:rPr lang="ru-RU" dirty="0"/>
+              <a:t>Автор стенда: </a:t>
+            </a:r>
+            <a:r>
+              <a:rPr lang="ru-RU" dirty="0" err="1"/>
+              <a:t>Тампио</a:t>
+            </a:r>
+            <a:r>
+              <a:rPr lang="ru-RU" dirty="0"/>
+              <a:t> Илья</a:t>
+            </a:r>
+          </a:p>
+        </p:txBody>
+      </p:sp>
+      <p:sp>
+        <p:nvSpPr>
+          <p:cNvPr id="37" name="TextBox 36">
+            <a:extLst>
+              <a:ext uri="{FF2B5EF4-FFF2-40B4-BE49-F238E27FC236}">
+                <a16:creationId xmlns:a16="http://schemas.microsoft.com/office/drawing/2014/main" id="{B390294E-EEFD-49DD-9BCE-66B9D980FA89}"/>
+              </a:ext>
+            </a:extLst>
+          </p:cNvPr>
+          <p:cNvSpPr txBox="1"/>
+          <p:nvPr/>
+        </p:nvSpPr>
+        <p:spPr>
+          <a:xfrm>
+            <a:off x="6038532" y="12411805"/>
+            <a:ext cx="3037114" cy="276999"/>
+          </a:xfrm>
+          <a:prstGeom prst="rect">
+            <a:avLst/>
+          </a:prstGeom>
+          <a:noFill/>
+        </p:spPr>
+        <p:txBody>
+          <a:bodyPr wrap="square" rtlCol="0">
+            <a:spAutoFit/>
+          </a:bodyPr>
+          <a:lstStyle/>
+          <a:p>
+            <a:r>
+              <a:rPr lang="ru-RU" sz="1200" i="1" dirty="0"/>
+              <a:t>Простое и понятное управление</a:t>
+            </a:r>
+          </a:p>
+        </p:txBody>
+      </p:sp>
     </p:spTree>
     <p:extLst>
       <p:ext uri="{BB962C8B-B14F-4D97-AF65-F5344CB8AC3E}">
-        <p14:creationId xmlns:p14="http://schemas.microsoft.com/office/powerpoint/2010/main" val="4055100438"/>
+        <p14:creationId xmlns:p14="http://schemas.microsoft.com/office/powerpoint/2010/main" val="3392491760"/>
       </p:ext>
     </p:extLst>
   </p:cSld>
